--- a/Soutenance PJE2 TWITTER.pptx
+++ b/Soutenance PJE2 TWITTER.pptx
@@ -5,7 +5,7 @@
     <p:sldMasterId id="2147483840" r:id="rId1"/>
   </p:sldMasterIdLst>
   <p:notesMasterIdLst>
-    <p:notesMasterId r:id="rId17"/>
+    <p:notesMasterId r:id="rId20"/>
   </p:notesMasterIdLst>
   <p:sldIdLst>
     <p:sldId id="256" r:id="rId2"/>
@@ -18,11 +18,14 @@
     <p:sldId id="263" r:id="rId9"/>
     <p:sldId id="264" r:id="rId10"/>
     <p:sldId id="265" r:id="rId11"/>
-    <p:sldId id="267" r:id="rId12"/>
-    <p:sldId id="268" r:id="rId13"/>
+    <p:sldId id="275" r:id="rId12"/>
+    <p:sldId id="267" r:id="rId13"/>
     <p:sldId id="269" r:id="rId14"/>
-    <p:sldId id="271" r:id="rId15"/>
-    <p:sldId id="270" r:id="rId16"/>
+    <p:sldId id="268" r:id="rId15"/>
+    <p:sldId id="271" r:id="rId16"/>
+    <p:sldId id="273" r:id="rId17"/>
+    <p:sldId id="274" r:id="rId18"/>
+    <p:sldId id="270" r:id="rId19"/>
   </p:sldIdLst>
   <p:sldSz cx="9144000" cy="6858000" type="screen4x3"/>
   <p:notesSz cx="6858000" cy="9144000"/>
@@ -206,7 +209,7 @@
           <a:p>
             <a:fld id="{690C85F1-9E8B-4AE4-AA80-BDF8CED2AB74}" type="datetimeFigureOut">
               <a:rPr lang="fr-FR" smtClean="0"/>
-              <a:t>15/12/2014</a:t>
+              <a:t>14/12/2015</a:t>
             </a:fld>
             <a:endParaRPr lang="fr-FR"/>
           </a:p>
@@ -1206,6 +1209,90 @@
 </p:notes>
 </file>
 
+<file path=ppt/notesSlides/notesSlide7.xml><?xml version="1.0" encoding="utf-8"?>
+<p:notes xmlns:a="http://schemas.openxmlformats.org/drawingml/2006/main" xmlns:r="http://schemas.openxmlformats.org/officeDocument/2006/relationships" xmlns:p="http://schemas.openxmlformats.org/presentationml/2006/main">
+  <p:cSld>
+    <p:spTree>
+      <p:nvGrpSpPr>
+        <p:cNvPr id="1" name=""/>
+        <p:cNvGrpSpPr/>
+        <p:nvPr/>
+      </p:nvGrpSpPr>
+      <p:grpSpPr>
+        <a:xfrm>
+          <a:off x="0" y="0"/>
+          <a:ext cx="0" cy="0"/>
+          <a:chOff x="0" y="0"/>
+          <a:chExt cx="0" cy="0"/>
+        </a:xfrm>
+      </p:grpSpPr>
+      <p:sp>
+        <p:nvSpPr>
+          <p:cNvPr id="2" name="Espace réservé de l'image des diapositives 1"/>
+          <p:cNvSpPr>
+            <a:spLocks noGrp="1" noRot="1" noChangeAspect="1"/>
+          </p:cNvSpPr>
+          <p:nvPr>
+            <p:ph type="sldImg"/>
+          </p:nvPr>
+        </p:nvSpPr>
+        <p:spPr/>
+      </p:sp>
+      <p:sp>
+        <p:nvSpPr>
+          <p:cNvPr id="3" name="Espace réservé des commentaires 2"/>
+          <p:cNvSpPr>
+            <a:spLocks noGrp="1"/>
+          </p:cNvSpPr>
+          <p:nvPr>
+            <p:ph type="body" idx="1"/>
+          </p:nvPr>
+        </p:nvSpPr>
+        <p:spPr/>
+        <p:txBody>
+          <a:bodyPr/>
+          <a:lstStyle/>
+          <a:p>
+            <a:endParaRPr lang="fr-FR" dirty="0"/>
+          </a:p>
+        </p:txBody>
+      </p:sp>
+      <p:sp>
+        <p:nvSpPr>
+          <p:cNvPr id="4" name="Espace réservé du numéro de diapositive 3"/>
+          <p:cNvSpPr>
+            <a:spLocks noGrp="1"/>
+          </p:cNvSpPr>
+          <p:nvPr>
+            <p:ph type="sldNum" sz="quarter" idx="10"/>
+          </p:nvPr>
+        </p:nvSpPr>
+        <p:spPr/>
+        <p:txBody>
+          <a:bodyPr/>
+          <a:lstStyle/>
+          <a:p>
+            <a:fld id="{D0CF7C81-DEB7-42C0-8169-6659C4AE1B92}" type="slidenum">
+              <a:rPr lang="fr-FR" smtClean="0"/>
+              <a:t>12</a:t>
+            </a:fld>
+            <a:endParaRPr lang="fr-FR"/>
+          </a:p>
+        </p:txBody>
+      </p:sp>
+    </p:spTree>
+    <p:extLst>
+      <p:ext uri="{BB962C8B-B14F-4D97-AF65-F5344CB8AC3E}">
+        <p14:creationId xmlns:p14="http://schemas.microsoft.com/office/powerpoint/2010/main" val="3004103272"/>
+      </p:ext>
+    </p:extLst>
+  </p:cSld>
+  <p:clrMapOvr>
+    <a:masterClrMapping/>
+  </p:clrMapOvr>
+</p:notes>
+</file>
+
 <file path=ppt/slideLayouts/slideLayout1.xml><?xml version="1.0" encoding="utf-8"?>
 <p:sldLayout xmlns:a="http://schemas.openxmlformats.org/drawingml/2006/main" xmlns:r="http://schemas.openxmlformats.org/officeDocument/2006/relationships" xmlns:p="http://schemas.openxmlformats.org/presentationml/2006/main" showMasterSp="0" type="title" preserve="1">
   <p:cSld name="Diapositive de titre">
@@ -3018,7 +3105,7 @@
           <a:p>
             <a:fld id="{241EBA22-26B7-4E44-AD5F-295EE5951616}" type="datetimeFigureOut">
               <a:rPr lang="fr-FR" smtClean="0"/>
-              <a:t>15/12/2014</a:t>
+              <a:t>14/12/2015</a:t>
             </a:fld>
             <a:endParaRPr lang="fr-FR"/>
           </a:p>
@@ -3199,7 +3286,7 @@
           <a:p>
             <a:fld id="{241EBA22-26B7-4E44-AD5F-295EE5951616}" type="datetimeFigureOut">
               <a:rPr lang="fr-FR" smtClean="0"/>
-              <a:t>15/12/2014</a:t>
+              <a:t>14/12/2015</a:t>
             </a:fld>
             <a:endParaRPr lang="fr-FR"/>
           </a:p>
@@ -3350,7 +3437,7 @@
           <a:p>
             <a:fld id="{241EBA22-26B7-4E44-AD5F-295EE5951616}" type="datetimeFigureOut">
               <a:rPr lang="fr-FR" smtClean="0"/>
-              <a:t>15/12/2014</a:t>
+              <a:t>14/12/2015</a:t>
             </a:fld>
             <a:endParaRPr lang="fr-FR"/>
           </a:p>
@@ -5176,7 +5263,7 @@
           <a:p>
             <a:fld id="{241EBA22-26B7-4E44-AD5F-295EE5951616}" type="datetimeFigureOut">
               <a:rPr lang="fr-FR" smtClean="0"/>
-              <a:t>15/12/2014</a:t>
+              <a:t>14/12/2015</a:t>
             </a:fld>
             <a:endParaRPr lang="fr-FR"/>
           </a:p>
@@ -7046,7 +7133,7 @@
           <a:p>
             <a:fld id="{241EBA22-26B7-4E44-AD5F-295EE5951616}" type="datetimeFigureOut">
               <a:rPr lang="fr-FR" smtClean="0"/>
-              <a:t>15/12/2014</a:t>
+              <a:t>14/12/2015</a:t>
             </a:fld>
             <a:endParaRPr lang="fr-FR"/>
           </a:p>
@@ -7159,7 +7246,7 @@
           <a:p>
             <a:fld id="{241EBA22-26B7-4E44-AD5F-295EE5951616}" type="datetimeFigureOut">
               <a:rPr lang="fr-FR" smtClean="0"/>
-              <a:t>15/12/2014</a:t>
+              <a:t>14/12/2015</a:t>
             </a:fld>
             <a:endParaRPr lang="fr-FR"/>
           </a:p>
@@ -7700,7 +7787,7 @@
           <a:p>
             <a:fld id="{241EBA22-26B7-4E44-AD5F-295EE5951616}" type="datetimeFigureOut">
               <a:rPr lang="fr-FR" smtClean="0"/>
-              <a:t>15/12/2014</a:t>
+              <a:t>14/12/2015</a:t>
             </a:fld>
             <a:endParaRPr lang="fr-FR"/>
           </a:p>
@@ -7813,7 +7900,7 @@
           <a:p>
             <a:fld id="{241EBA22-26B7-4E44-AD5F-295EE5951616}" type="datetimeFigureOut">
               <a:rPr lang="fr-FR" smtClean="0"/>
-              <a:t>15/12/2014</a:t>
+              <a:t>14/12/2015</a:t>
             </a:fld>
             <a:endParaRPr lang="fr-FR"/>
           </a:p>
@@ -9524,7 +9611,7 @@
           <a:p>
             <a:fld id="{241EBA22-26B7-4E44-AD5F-295EE5951616}" type="datetimeFigureOut">
               <a:rPr lang="fr-FR" smtClean="0"/>
-              <a:t>15/12/2014</a:t>
+              <a:t>14/12/2015</a:t>
             </a:fld>
             <a:endParaRPr lang="fr-FR"/>
           </a:p>
@@ -9675,7 +9762,7 @@
           <a:p>
             <a:fld id="{241EBA22-26B7-4E44-AD5F-295EE5951616}" type="datetimeFigureOut">
               <a:rPr lang="fr-FR" smtClean="0"/>
-              <a:t>15/12/2014</a:t>
+              <a:t>14/12/2015</a:t>
             </a:fld>
             <a:endParaRPr lang="fr-FR"/>
           </a:p>
@@ -13290,7 +13377,7 @@
           <a:p>
             <a:fld id="{241EBA22-26B7-4E44-AD5F-295EE5951616}" type="datetimeFigureOut">
               <a:rPr lang="fr-FR" smtClean="0"/>
-              <a:t>15/12/2014</a:t>
+              <a:t>14/12/2015</a:t>
             </a:fld>
             <a:endParaRPr lang="fr-FR"/>
           </a:p>
@@ -15149,7 +15236,7 @@
           <a:p>
             <a:fld id="{241EBA22-26B7-4E44-AD5F-295EE5951616}" type="datetimeFigureOut">
               <a:rPr lang="fr-FR" smtClean="0"/>
-              <a:t>15/12/2014</a:t>
+              <a:t>14/12/2015</a:t>
             </a:fld>
             <a:endParaRPr lang="fr-FR"/>
           </a:p>
@@ -15827,28 +15914,28 @@
           <a:p>
             <a:r>
               <a:rPr lang="fr-FR" dirty="0" smtClean="0"/>
-              <a:t>Estimation KNN de la polarité des Tweets</a:t>
+              <a:t>KNN</a:t>
             </a:r>
           </a:p>
           <a:p>
             <a:pPr lvl="1"/>
             <a:r>
               <a:rPr lang="fr-FR" dirty="0" smtClean="0"/>
-              <a:t>Division de la base d’apprentissage en 2:</a:t>
+              <a:t>K plus proche voisin</a:t>
             </a:r>
           </a:p>
           <a:p>
             <a:pPr lvl="2"/>
             <a:r>
               <a:rPr lang="fr-FR" dirty="0" smtClean="0"/>
-              <a:t>1/3 qui seront vérifier par KNN</a:t>
+              <a:t>Annotation des tweets</a:t>
             </a:r>
           </a:p>
           <a:p>
             <a:pPr lvl="2"/>
             <a:r>
               <a:rPr lang="fr-FR" dirty="0" smtClean="0"/>
-              <a:t>2/3 qui servira de base d’apprentissage</a:t>
+              <a:t>Analyse de la base d’apprentissage</a:t>
             </a:r>
           </a:p>
           <a:p>
@@ -15865,7 +15952,7 @@
             </a:pPr>
             <a:r>
               <a:rPr lang="fr-FR" dirty="0" smtClean="0"/>
-              <a:t>But : Vérification de la qualité de la base</a:t>
+              <a:t>Inconvénient : Nécessite beaucoup de tweet pour avoir un résultat fiable / Très sensible à la base d’apprentissage.</a:t>
             </a:r>
           </a:p>
         </p:txBody>
@@ -15932,6 +16019,57 @@
       </p:grpSpPr>
       <p:sp>
         <p:nvSpPr>
+          <p:cNvPr id="2" name="Espace réservé du contenu 1"/>
+          <p:cNvSpPr>
+            <a:spLocks noGrp="1"/>
+          </p:cNvSpPr>
+          <p:nvPr>
+            <p:ph idx="1"/>
+          </p:nvPr>
+        </p:nvSpPr>
+        <p:spPr/>
+        <p:txBody>
+          <a:bodyPr/>
+          <a:lstStyle/>
+          <a:p>
+            <a:r>
+              <a:rPr lang="fr-FR" dirty="0" smtClean="0"/>
+              <a:t>Classification Bayésienne</a:t>
+            </a:r>
+          </a:p>
+          <a:p>
+            <a:pPr lvl="1"/>
+            <a:r>
+              <a:rPr lang="fr-FR" dirty="0" smtClean="0"/>
+              <a:t>Polarité de chaque mots</a:t>
+            </a:r>
+          </a:p>
+          <a:p>
+            <a:pPr lvl="1"/>
+            <a:r>
+              <a:rPr lang="fr-FR" dirty="0" smtClean="0"/>
+              <a:t>Mots contenant plus de 3 lettres</a:t>
+            </a:r>
+          </a:p>
+          <a:p>
+            <a:pPr lvl="1"/>
+            <a:r>
+              <a:rPr lang="fr-FR" smtClean="0"/>
+              <a:t>Uni-grammes, bi-grammes </a:t>
+            </a:r>
+            <a:r>
+              <a:rPr lang="fr-FR" dirty="0" smtClean="0"/>
+              <a:t>…</a:t>
+            </a:r>
+          </a:p>
+          <a:p>
+            <a:pPr lvl="1"/>
+            <a:endParaRPr lang="fr-FR" dirty="0"/>
+          </a:p>
+        </p:txBody>
+      </p:sp>
+      <p:sp>
+        <p:nvSpPr>
           <p:cNvPr id="3" name="Titre 2"/>
           <p:cNvSpPr>
             <a:spLocks noGrp="1"/>
@@ -15947,51 +16085,22 @@
           <a:p>
             <a:r>
               <a:rPr lang="fr-FR" dirty="0" smtClean="0"/>
-              <a:t>4. Application</a:t>
+              <a:t>3. Analyse algorithmique</a:t>
             </a:r>
             <a:endParaRPr lang="fr-FR" dirty="0"/>
           </a:p>
         </p:txBody>
       </p:sp>
-      <p:pic>
-        <p:nvPicPr>
-          <p:cNvPr id="5" name="Image 4"/>
-          <p:cNvPicPr/>
-          <p:nvPr/>
-        </p:nvPicPr>
-        <p:blipFill>
-          <a:blip r:embed="rId2"/>
-          <a:stretch>
-            <a:fillRect/>
-          </a:stretch>
-        </p:blipFill>
-        <p:spPr>
-          <a:xfrm>
-            <a:off x="827584" y="2636912"/>
-            <a:ext cx="7560840" cy="3600400"/>
-          </a:xfrm>
-          <a:prstGeom prst="rect">
-            <a:avLst/>
-          </a:prstGeom>
-        </p:spPr>
-      </p:pic>
     </p:spTree>
     <p:extLst>
       <p:ext uri="{BB962C8B-B14F-4D97-AF65-F5344CB8AC3E}">
-        <p14:creationId xmlns:p14="http://schemas.microsoft.com/office/powerpoint/2010/main" val="2469098078"/>
+        <p14:creationId xmlns:p14="http://schemas.microsoft.com/office/powerpoint/2010/main" val="1511370664"/>
       </p:ext>
     </p:extLst>
   </p:cSld>
   <p:clrMapOvr>
     <a:masterClrMapping/>
   </p:clrMapOvr>
-  <p:timing>
-    <p:tnLst>
-      <p:par>
-        <p:cTn id="1" dur="indefinite" restart="never" nodeType="tmRoot"/>
-      </p:par>
-    </p:tnLst>
-  </p:timing>
 </p:sld>
 </file>
 
@@ -16037,20 +16146,28 @@
       </p:sp>
       <p:pic>
         <p:nvPicPr>
-          <p:cNvPr id="6" name="Image 5"/>
-          <p:cNvPicPr/>
+          <p:cNvPr id="2" name="Image 1"/>
+          <p:cNvPicPr>
+            <a:picLocks noChangeAspect="1"/>
+          </p:cNvPicPr>
           <p:nvPr/>
         </p:nvPicPr>
         <p:blipFill>
-          <a:blip r:embed="rId2"/>
+          <a:blip r:embed="rId3">
+            <a:extLst>
+              <a:ext uri="{28A0092B-C50C-407E-A947-70E740481C1C}">
+                <a14:useLocalDpi xmlns:a14="http://schemas.microsoft.com/office/drawing/2010/main" val="0"/>
+              </a:ext>
+            </a:extLst>
+          </a:blip>
           <a:stretch>
             <a:fillRect/>
           </a:stretch>
         </p:blipFill>
         <p:spPr>
           <a:xfrm>
-            <a:off x="827584" y="2636912"/>
-            <a:ext cx="7344816" cy="3600400"/>
+            <a:off x="1963156" y="2672882"/>
+            <a:ext cx="5087060" cy="3067478"/>
           </a:xfrm>
           <a:prstGeom prst="rect">
             <a:avLst/>
@@ -16060,7 +16177,7 @@
     </p:spTree>
     <p:extLst>
       <p:ext uri="{BB962C8B-B14F-4D97-AF65-F5344CB8AC3E}">
-        <p14:creationId xmlns:p14="http://schemas.microsoft.com/office/powerpoint/2010/main" val="3766390529"/>
+        <p14:creationId xmlns:p14="http://schemas.microsoft.com/office/powerpoint/2010/main" val="2469098078"/>
       </p:ext>
     </p:extLst>
   </p:cSld>
@@ -16119,35 +16236,38 @@
       </p:sp>
       <p:pic>
         <p:nvPicPr>
-          <p:cNvPr id="4" name="Espace réservé du contenu 3"/>
+          <p:cNvPr id="5" name="Espace réservé du contenu 4"/>
           <p:cNvPicPr>
-            <a:picLocks noGrp="1"/>
+            <a:picLocks noGrp="1" noChangeAspect="1"/>
           </p:cNvPicPr>
           <p:nvPr>
             <p:ph idx="1"/>
           </p:nvPr>
         </p:nvPicPr>
         <p:blipFill>
-          <a:blip r:embed="rId2"/>
+          <a:blip r:embed="rId2">
+            <a:extLst>
+              <a:ext uri="{28A0092B-C50C-407E-A947-70E740481C1C}">
+                <a14:useLocalDpi xmlns:a14="http://schemas.microsoft.com/office/drawing/2010/main" val="0"/>
+              </a:ext>
+            </a:extLst>
+          </a:blip>
           <a:stretch>
             <a:fillRect/>
           </a:stretch>
         </p:blipFill>
         <p:spPr>
           <a:xfrm>
-            <a:off x="2247855" y="2674938"/>
-            <a:ext cx="4656228" cy="3451225"/>
+            <a:off x="4788024" y="1514499"/>
+            <a:ext cx="3868208" cy="2366433"/>
           </a:xfrm>
-          <a:prstGeom prst="rect">
-            <a:avLst/>
-          </a:prstGeom>
         </p:spPr>
       </p:pic>
       <p:pic>
         <p:nvPicPr>
-          <p:cNvPr id="2050" name="Picture 2"/>
+          <p:cNvPr id="6" name="Image 5"/>
           <p:cNvPicPr>
-            <a:picLocks noChangeAspect="1" noChangeArrowheads="1"/>
+            <a:picLocks noChangeAspect="1"/>
           </p:cNvPicPr>
           <p:nvPr/>
         </p:nvPicPr>
@@ -16159,42 +16279,48 @@
               </a:ext>
             </a:extLst>
           </a:blip>
-          <a:srcRect/>
           <a:stretch>
             <a:fillRect/>
           </a:stretch>
         </p:blipFill>
-        <p:spPr bwMode="auto">
+        <p:spPr>
           <a:xfrm>
-            <a:off x="1259632" y="1556792"/>
-            <a:ext cx="6503483" cy="4863332"/>
+            <a:off x="501926" y="1484784"/>
+            <a:ext cx="3984251" cy="2425864"/>
           </a:xfrm>
           <a:prstGeom prst="rect">
             <a:avLst/>
           </a:prstGeom>
-          <a:noFill/>
-          <a:ln>
-            <a:noFill/>
-          </a:ln>
-          <a:extLst>
-            <a:ext uri="{909E8E84-426E-40DD-AFC4-6F175D3DCCD1}">
-              <a14:hiddenFill xmlns:a14="http://schemas.microsoft.com/office/drawing/2010/main">
-                <a:solidFill>
-                  <a:schemeClr val="accent1"/>
-                </a:solidFill>
-              </a14:hiddenFill>
-            </a:ext>
-            <a:ext uri="{91240B29-F687-4F45-9708-019B960494DF}">
-              <a14:hiddenLine xmlns:a14="http://schemas.microsoft.com/office/drawing/2010/main" w="9525">
-                <a:solidFill>
-                  <a:schemeClr val="tx1"/>
-                </a:solidFill>
-                <a:miter lim="800000"/>
-                <a:headEnd/>
-                <a:tailEnd/>
-              </a14:hiddenLine>
-            </a:ext>
-          </a:extLst>
+        </p:spPr>
+      </p:pic>
+      <p:pic>
+        <p:nvPicPr>
+          <p:cNvPr id="7" name="Image 6"/>
+          <p:cNvPicPr>
+            <a:picLocks noChangeAspect="1"/>
+          </p:cNvPicPr>
+          <p:nvPr/>
+        </p:nvPicPr>
+        <p:blipFill>
+          <a:blip r:embed="rId4">
+            <a:extLst>
+              <a:ext uri="{28A0092B-C50C-407E-A947-70E740481C1C}">
+                <a14:useLocalDpi xmlns:a14="http://schemas.microsoft.com/office/drawing/2010/main" val="0"/>
+              </a:ext>
+            </a:extLst>
+          </a:blip>
+          <a:stretch>
+            <a:fillRect/>
+          </a:stretch>
+        </p:blipFill>
+        <p:spPr>
+          <a:xfrm>
+            <a:off x="2843809" y="4221088"/>
+            <a:ext cx="3312368" cy="2475827"/>
+          </a:xfrm>
+          <a:prstGeom prst="rect">
+            <a:avLst/>
+          </a:prstGeom>
         </p:spPr>
       </p:pic>
     </p:spTree>
@@ -16259,20 +16385,28 @@
       </p:sp>
       <p:pic>
         <p:nvPicPr>
-          <p:cNvPr id="6" name="Image 5"/>
-          <p:cNvPicPr/>
+          <p:cNvPr id="2" name="Image 1"/>
+          <p:cNvPicPr>
+            <a:picLocks noChangeAspect="1"/>
+          </p:cNvPicPr>
           <p:nvPr/>
         </p:nvPicPr>
         <p:blipFill>
-          <a:blip r:embed="rId2"/>
+          <a:blip r:embed="rId2">
+            <a:extLst>
+              <a:ext uri="{28A0092B-C50C-407E-A947-70E740481C1C}">
+                <a14:useLocalDpi xmlns:a14="http://schemas.microsoft.com/office/drawing/2010/main" val="0"/>
+              </a:ext>
+            </a:extLst>
+          </a:blip>
           <a:stretch>
             <a:fillRect/>
           </a:stretch>
         </p:blipFill>
         <p:spPr>
           <a:xfrm>
-            <a:off x="1835696" y="1898306"/>
-            <a:ext cx="5616624" cy="4392488"/>
+            <a:off x="179512" y="2874020"/>
+            <a:ext cx="8820472" cy="2701605"/>
           </a:xfrm>
           <a:prstGeom prst="rect">
             <a:avLst/>
@@ -16282,7 +16416,7 @@
     </p:spTree>
     <p:extLst>
       <p:ext uri="{BB962C8B-B14F-4D97-AF65-F5344CB8AC3E}">
-        <p14:creationId xmlns:p14="http://schemas.microsoft.com/office/powerpoint/2010/main" val="3117600085"/>
+        <p14:creationId xmlns:p14="http://schemas.microsoft.com/office/powerpoint/2010/main" val="3766390529"/>
       </p:ext>
     </p:extLst>
   </p:cSld>
@@ -16318,6 +16452,262 @@
       </p:grpSpPr>
       <p:sp>
         <p:nvSpPr>
+          <p:cNvPr id="3" name="Titre 2"/>
+          <p:cNvSpPr>
+            <a:spLocks noGrp="1"/>
+          </p:cNvSpPr>
+          <p:nvPr>
+            <p:ph type="title"/>
+          </p:nvPr>
+        </p:nvSpPr>
+        <p:spPr/>
+        <p:txBody>
+          <a:bodyPr/>
+          <a:lstStyle/>
+          <a:p>
+            <a:r>
+              <a:rPr lang="fr-FR" dirty="0" smtClean="0"/>
+              <a:t>4. Application</a:t>
+            </a:r>
+            <a:endParaRPr lang="fr-FR" dirty="0"/>
+          </a:p>
+        </p:txBody>
+      </p:sp>
+      <p:pic>
+        <p:nvPicPr>
+          <p:cNvPr id="2" name="Image 1"/>
+          <p:cNvPicPr>
+            <a:picLocks noChangeAspect="1"/>
+          </p:cNvPicPr>
+          <p:nvPr/>
+        </p:nvPicPr>
+        <p:blipFill>
+          <a:blip r:embed="rId2">
+            <a:extLst>
+              <a:ext uri="{28A0092B-C50C-407E-A947-70E740481C1C}">
+                <a14:useLocalDpi xmlns:a14="http://schemas.microsoft.com/office/drawing/2010/main" val="0"/>
+              </a:ext>
+            </a:extLst>
+          </a:blip>
+          <a:stretch>
+            <a:fillRect/>
+          </a:stretch>
+        </p:blipFill>
+        <p:spPr>
+          <a:xfrm>
+            <a:off x="1907704" y="2348880"/>
+            <a:ext cx="5275628" cy="3390017"/>
+          </a:xfrm>
+          <a:prstGeom prst="rect">
+            <a:avLst/>
+          </a:prstGeom>
+        </p:spPr>
+      </p:pic>
+    </p:spTree>
+    <p:extLst>
+      <p:ext uri="{BB962C8B-B14F-4D97-AF65-F5344CB8AC3E}">
+        <p14:creationId xmlns:p14="http://schemas.microsoft.com/office/powerpoint/2010/main" val="3117600085"/>
+      </p:ext>
+    </p:extLst>
+  </p:cSld>
+  <p:clrMapOvr>
+    <a:masterClrMapping/>
+  </p:clrMapOvr>
+  <p:timing>
+    <p:tnLst>
+      <p:par>
+        <p:cTn id="1" dur="indefinite" restart="never" nodeType="tmRoot"/>
+      </p:par>
+    </p:tnLst>
+  </p:timing>
+</p:sld>
+</file>
+
+<file path=ppt/slides/slide16.xml><?xml version="1.0" encoding="utf-8"?>
+<p:sld xmlns:a="http://schemas.openxmlformats.org/drawingml/2006/main" xmlns:r="http://schemas.openxmlformats.org/officeDocument/2006/relationships" xmlns:p="http://schemas.openxmlformats.org/presentationml/2006/main">
+  <p:cSld>
+    <p:spTree>
+      <p:nvGrpSpPr>
+        <p:cNvPr id="1" name=""/>
+        <p:cNvGrpSpPr/>
+        <p:nvPr/>
+      </p:nvGrpSpPr>
+      <p:grpSpPr>
+        <a:xfrm>
+          <a:off x="0" y="0"/>
+          <a:ext cx="0" cy="0"/>
+          <a:chOff x="0" y="0"/>
+          <a:chExt cx="0" cy="0"/>
+        </a:xfrm>
+      </p:grpSpPr>
+      <p:pic>
+        <p:nvPicPr>
+          <p:cNvPr id="4" name="Espace réservé du contenu 3"/>
+          <p:cNvPicPr>
+            <a:picLocks noGrp="1" noChangeAspect="1"/>
+          </p:cNvPicPr>
+          <p:nvPr>
+            <p:ph idx="1"/>
+          </p:nvPr>
+        </p:nvPicPr>
+        <p:blipFill>
+          <a:blip r:embed="rId2">
+            <a:extLst>
+              <a:ext uri="{28A0092B-C50C-407E-A947-70E740481C1C}">
+                <a14:useLocalDpi xmlns:a14="http://schemas.microsoft.com/office/drawing/2010/main" val="0"/>
+              </a:ext>
+            </a:extLst>
+          </a:blip>
+          <a:stretch>
+            <a:fillRect/>
+          </a:stretch>
+        </p:blipFill>
+        <p:spPr>
+          <a:xfrm>
+            <a:off x="1932412" y="2900153"/>
+            <a:ext cx="5287113" cy="3000794"/>
+          </a:xfrm>
+        </p:spPr>
+      </p:pic>
+      <p:sp>
+        <p:nvSpPr>
+          <p:cNvPr id="3" name="Titre 2"/>
+          <p:cNvSpPr>
+            <a:spLocks noGrp="1"/>
+          </p:cNvSpPr>
+          <p:nvPr>
+            <p:ph type="title"/>
+          </p:nvPr>
+        </p:nvSpPr>
+        <p:spPr/>
+        <p:txBody>
+          <a:bodyPr/>
+          <a:lstStyle/>
+          <a:p>
+            <a:r>
+              <a:rPr lang="fr-FR" dirty="0" smtClean="0"/>
+              <a:t>4. Application</a:t>
+            </a:r>
+            <a:endParaRPr lang="fr-FR" dirty="0"/>
+          </a:p>
+        </p:txBody>
+      </p:sp>
+    </p:spTree>
+    <p:extLst>
+      <p:ext uri="{BB962C8B-B14F-4D97-AF65-F5344CB8AC3E}">
+        <p14:creationId xmlns:p14="http://schemas.microsoft.com/office/powerpoint/2010/main" val="2586790914"/>
+      </p:ext>
+    </p:extLst>
+  </p:cSld>
+  <p:clrMapOvr>
+    <a:masterClrMapping/>
+  </p:clrMapOvr>
+</p:sld>
+</file>
+
+<file path=ppt/slides/slide17.xml><?xml version="1.0" encoding="utf-8"?>
+<p:sld xmlns:a="http://schemas.openxmlformats.org/drawingml/2006/main" xmlns:r="http://schemas.openxmlformats.org/officeDocument/2006/relationships" xmlns:p="http://schemas.openxmlformats.org/presentationml/2006/main">
+  <p:cSld>
+    <p:spTree>
+      <p:nvGrpSpPr>
+        <p:cNvPr id="1" name=""/>
+        <p:cNvGrpSpPr/>
+        <p:nvPr/>
+      </p:nvGrpSpPr>
+      <p:grpSpPr>
+        <a:xfrm>
+          <a:off x="0" y="0"/>
+          <a:ext cx="0" cy="0"/>
+          <a:chOff x="0" y="0"/>
+          <a:chExt cx="0" cy="0"/>
+        </a:xfrm>
+      </p:grpSpPr>
+      <p:pic>
+        <p:nvPicPr>
+          <p:cNvPr id="4" name="Espace réservé du contenu 3"/>
+          <p:cNvPicPr>
+            <a:picLocks noGrp="1" noChangeAspect="1"/>
+          </p:cNvPicPr>
+          <p:nvPr>
+            <p:ph idx="1"/>
+          </p:nvPr>
+        </p:nvPicPr>
+        <p:blipFill>
+          <a:blip r:embed="rId2">
+            <a:extLst>
+              <a:ext uri="{28A0092B-C50C-407E-A947-70E740481C1C}">
+                <a14:useLocalDpi xmlns:a14="http://schemas.microsoft.com/office/drawing/2010/main" val="0"/>
+              </a:ext>
+            </a:extLst>
+          </a:blip>
+          <a:stretch>
+            <a:fillRect/>
+          </a:stretch>
+        </p:blipFill>
+        <p:spPr>
+          <a:xfrm>
+            <a:off x="1619672" y="2564904"/>
+            <a:ext cx="6084099" cy="3883134"/>
+          </a:xfrm>
+        </p:spPr>
+      </p:pic>
+      <p:sp>
+        <p:nvSpPr>
+          <p:cNvPr id="3" name="Titre 2"/>
+          <p:cNvSpPr>
+            <a:spLocks noGrp="1"/>
+          </p:cNvSpPr>
+          <p:nvPr>
+            <p:ph type="title"/>
+          </p:nvPr>
+        </p:nvSpPr>
+        <p:spPr/>
+        <p:txBody>
+          <a:bodyPr>
+            <a:normAutofit/>
+          </a:bodyPr>
+          <a:lstStyle/>
+          <a:p>
+            <a:r>
+              <a:rPr lang="fr-FR" dirty="0" smtClean="0"/>
+              <a:t>4. Application</a:t>
+            </a:r>
+            <a:endParaRPr lang="fr-FR" dirty="0"/>
+          </a:p>
+        </p:txBody>
+      </p:sp>
+    </p:spTree>
+    <p:extLst>
+      <p:ext uri="{BB962C8B-B14F-4D97-AF65-F5344CB8AC3E}">
+        <p14:creationId xmlns:p14="http://schemas.microsoft.com/office/powerpoint/2010/main" val="3394168809"/>
+      </p:ext>
+    </p:extLst>
+  </p:cSld>
+  <p:clrMapOvr>
+    <a:masterClrMapping/>
+  </p:clrMapOvr>
+</p:sld>
+</file>
+
+<file path=ppt/slides/slide18.xml><?xml version="1.0" encoding="utf-8"?>
+<p:sld xmlns:a="http://schemas.openxmlformats.org/drawingml/2006/main" xmlns:r="http://schemas.openxmlformats.org/officeDocument/2006/relationships" xmlns:p="http://schemas.openxmlformats.org/presentationml/2006/main">
+  <p:cSld>
+    <p:spTree>
+      <p:nvGrpSpPr>
+        <p:cNvPr id="1" name=""/>
+        <p:cNvGrpSpPr/>
+        <p:nvPr/>
+      </p:nvGrpSpPr>
+      <p:grpSpPr>
+        <a:xfrm>
+          <a:off x="0" y="0"/>
+          <a:ext cx="0" cy="0"/>
+          <a:chOff x="0" y="0"/>
+          <a:chExt cx="0" cy="0"/>
+        </a:xfrm>
+      </p:grpSpPr>
+      <p:sp>
+        <p:nvSpPr>
           <p:cNvPr id="4" name="Titre 3"/>
           <p:cNvSpPr>
             <a:spLocks noGrp="1"/>
@@ -16336,25 +16726,6 @@
               <a:t>Conclusion</a:t>
             </a:r>
             <a:endParaRPr lang="fr-FR" dirty="0"/>
-          </a:p>
-        </p:txBody>
-      </p:sp>
-      <p:sp>
-        <p:nvSpPr>
-          <p:cNvPr id="5" name="Espace réservé du texte 4"/>
-          <p:cNvSpPr>
-            <a:spLocks noGrp="1"/>
-          </p:cNvSpPr>
-          <p:nvPr>
-            <p:ph type="body" idx="1"/>
-          </p:nvPr>
-        </p:nvSpPr>
-        <p:spPr/>
-        <p:txBody>
-          <a:bodyPr/>
-          <a:lstStyle/>
-          <a:p>
-            <a:endParaRPr lang="fr-FR"/>
           </a:p>
         </p:txBody>
       </p:sp>
@@ -17224,9 +17595,9 @@
       </p:sp>
       <p:pic>
         <p:nvPicPr>
-          <p:cNvPr id="1026" name="Picture 2"/>
+          <p:cNvPr id="2" name="Image 1"/>
           <p:cNvPicPr>
-            <a:picLocks noChangeAspect="1" noChangeArrowheads="1"/>
+            <a:picLocks noChangeAspect="1"/>
           </p:cNvPicPr>
           <p:nvPr/>
         </p:nvPicPr>
@@ -17238,52 +17609,18 @@
               </a:ext>
             </a:extLst>
           </a:blip>
-          <a:srcRect/>
           <a:stretch>
             <a:fillRect/>
           </a:stretch>
         </p:blipFill>
-        <p:spPr bwMode="auto">
+        <p:spPr>
           <a:xfrm>
-            <a:off x="1403648" y="1844824"/>
-            <a:ext cx="6467475" cy="4486275"/>
+            <a:off x="341986" y="2564904"/>
+            <a:ext cx="8802014" cy="3835600"/>
           </a:xfrm>
           <a:prstGeom prst="rect">
             <a:avLst/>
           </a:prstGeom>
-          <a:ln w="38100" cap="sq">
-            <a:solidFill>
-              <a:srgbClr val="000000"/>
-            </a:solidFill>
-            <a:prstDash val="solid"/>
-            <a:miter lim="800000"/>
-          </a:ln>
-          <a:effectLst>
-            <a:outerShdw blurRad="50800" dist="38100" dir="2700000" algn="tl" rotWithShape="0">
-              <a:srgbClr val="000000">
-                <a:alpha val="43000"/>
-              </a:srgbClr>
-            </a:outerShdw>
-          </a:effectLst>
-          <a:extLst>
-            <a:ext uri="{909E8E84-426E-40DD-AFC4-6F175D3DCCD1}">
-              <a14:hiddenFill xmlns:a14="http://schemas.microsoft.com/office/drawing/2010/main">
-                <a:solidFill>
-                  <a:schemeClr val="accent1"/>
-                </a:solidFill>
-              </a14:hiddenFill>
-            </a:ext>
-            <a:ext uri="{91240B29-F687-4F45-9708-019B960494DF}">
-              <a14:hiddenLine xmlns:a14="http://schemas.microsoft.com/office/drawing/2010/main" w="9525">
-                <a:solidFill>
-                  <a:schemeClr val="tx1"/>
-                </a:solidFill>
-                <a:miter lim="800000"/>
-                <a:headEnd/>
-                <a:tailEnd/>
-              </a14:hiddenLine>
-            </a:ext>
-          </a:extLst>
         </p:spPr>
       </p:pic>
     </p:spTree>
@@ -17346,39 +17683,24 @@
           <a:p>
             <a:r>
               <a:rPr lang="fr-FR" dirty="0" smtClean="0"/>
-              <a:t>Contient environ 1000 tweets</a:t>
+              <a:t>Contient environ </a:t>
             </a:r>
-          </a:p>
-          <a:p>
             <a:r>
               <a:rPr lang="fr-FR" dirty="0" smtClean="0"/>
-              <a:t>Terme principaux des tweets récoltés:</a:t>
+              <a:t>1500 </a:t>
             </a:r>
-          </a:p>
-          <a:p>
-            <a:pPr lvl="2"/>
-            <a:endParaRPr lang="fr-FR" dirty="0" smtClean="0"/>
-          </a:p>
-          <a:p>
-            <a:pPr lvl="2"/>
             <a:r>
               <a:rPr lang="fr-FR" dirty="0" smtClean="0"/>
-              <a:t>Election présidentiel</a:t>
+              <a:t>tweets</a:t>
             </a:r>
           </a:p>
           <a:p>
-            <a:pPr lvl="2"/>
             <a:r>
               <a:rPr lang="fr-FR" dirty="0" smtClean="0"/>
-              <a:t>Vlille</a:t>
+              <a:t>Trié par sujet de recherche</a:t>
             </a:r>
           </a:p>
           <a:p>
-            <a:pPr lvl="2"/>
-            <a:r>
-              <a:rPr lang="fr-FR" dirty="0" smtClean="0"/>
-              <a:t>Equipe de France de Basket</a:t>
-            </a:r>
             <a:endParaRPr lang="fr-FR" dirty="0"/>
           </a:p>
         </p:txBody>

--- a/Soutenance PJE2 TWITTER.pptx
+++ b/Soutenance PJE2 TWITTER.pptx
@@ -606,40 +606,39 @@
           <a:lstStyle/>
           <a:p>
             <a:r>
-              <a:rPr lang="fr-FR" dirty="0" smtClean="0"/>
-              <a:t>Dont</a:t>
+              <a:rPr lang="fr-FR" baseline="0" smtClean="0"/>
+              <a:t>Ainsi </a:t>
             </a:r>
             <a:r>
               <a:rPr lang="fr-FR" baseline="0" dirty="0" smtClean="0"/>
-              <a:t> je vais vous présenter durant cette exposer ce que j’ai réaliser pendant ce projet.</a:t>
-            </a:r>
-          </a:p>
-          <a:p>
-            <a:r>
-              <a:rPr lang="fr-FR" baseline="0" dirty="0" smtClean="0"/>
-              <a:t>Ainsi j’ai eu mon objectif de réaliser une application Java qui serait en liaison avec l’api twitter afin de pouvoir effectuer une analyse de </a:t>
-            </a:r>
-            <a:r>
-              <a:rPr lang="fr-FR" baseline="0" dirty="0" err="1" smtClean="0"/>
-              <a:t>resentie</a:t>
+              <a:t>j’ai eu mon objectif de réaliser une application Java qui serait en liaison avec l’api twitter afin de pouvoir effectuer </a:t>
             </a:r>
             <a:r>
               <a:rPr lang="fr-FR" baseline="0" dirty="0" smtClean="0"/>
-              <a:t> envers un sujet donner.</a:t>
-            </a:r>
-          </a:p>
-          <a:p>
-            <a:r>
-              <a:rPr lang="fr-FR" baseline="0" dirty="0" smtClean="0"/>
-              <a:t>Exemple : Le ressentie (</a:t>
-            </a:r>
-            <a:r>
-              <a:rPr lang="fr-FR" baseline="0" dirty="0" err="1" smtClean="0"/>
-              <a:t>positif,neutre</a:t>
+              <a:t>des </a:t>
             </a:r>
             <a:r>
               <a:rPr lang="fr-FR" baseline="0" dirty="0" smtClean="0"/>
-              <a:t> ou négatif) envers le président.</a:t>
+              <a:t>analyse de </a:t>
+            </a:r>
+            <a:r>
+              <a:rPr lang="fr-FR" baseline="0" dirty="0" smtClean="0"/>
+              <a:t>ressentie sur le réseaux social twitter.</a:t>
+            </a:r>
+            <a:endParaRPr lang="fr-FR" baseline="0" dirty="0" smtClean="0"/>
+          </a:p>
+          <a:p>
+            <a:r>
+              <a:rPr lang="fr-FR" baseline="0" dirty="0" smtClean="0"/>
+              <a:t>Exemple : Le ressentie (positif</a:t>
+            </a:r>
+            <a:r>
+              <a:rPr lang="fr-FR" baseline="0" dirty="0" smtClean="0"/>
+              <a:t>, neutre </a:t>
+            </a:r>
+            <a:r>
+              <a:rPr lang="fr-FR" baseline="0" dirty="0" smtClean="0"/>
+              <a:t>ou négatif) envers le président.</a:t>
             </a:r>
             <a:endParaRPr lang="fr-FR" dirty="0"/>
           </a:p>
@@ -751,28 +750,23 @@
           <a:p>
             <a:r>
               <a:rPr lang="fr-FR" baseline="0" dirty="0" smtClean="0"/>
-              <a:t>L’application en elle-même a été réaliser sur un model MVC</a:t>
-            </a:r>
-          </a:p>
-          <a:p>
-            <a:r>
-              <a:rPr lang="fr-FR" baseline="0" dirty="0" smtClean="0"/>
-              <a:t>On voit que l’application va communiquer avec une base de donnée dit base d’apprentissage qui ne sera </a:t>
-            </a:r>
-            <a:r>
-              <a:rPr lang="fr-FR" baseline="0" dirty="0" err="1" smtClean="0"/>
-              <a:t>null</a:t>
+              <a:t>On </a:t>
             </a:r>
             <a:r>
               <a:rPr lang="fr-FR" baseline="0" dirty="0" smtClean="0"/>
-              <a:t> autre que des fichiers csv contenant les données des tweets</a:t>
+              <a:t>voit que l’application va communiquer avec une base de donnée dit base d’apprentissage qui ne sera null autre que des fichiers csv contenant les données des tweets</a:t>
             </a:r>
           </a:p>
           <a:p>
             <a:r>
               <a:rPr lang="fr-FR" baseline="0" dirty="0" smtClean="0"/>
-              <a:t>Et on voit aussi que l’application va communiquer directement avec Twitter via l’api pour récupérer des différents tweets.</a:t>
+              <a:t>Et on voit aussi que l’application va communiquer directement avec Twitter via l’api pour récupérer </a:t>
             </a:r>
+            <a:r>
+              <a:rPr lang="fr-FR" baseline="0" dirty="0" smtClean="0"/>
+              <a:t>les tweets a étudier.</a:t>
+            </a:r>
+            <a:endParaRPr lang="fr-FR" baseline="0" dirty="0" smtClean="0"/>
           </a:p>
           <a:p>
             <a:endParaRPr lang="fr-FR" baseline="0" dirty="0" smtClean="0"/>
@@ -868,7 +862,15 @@
             </a:r>
             <a:r>
               <a:rPr lang="fr-FR" baseline="0" dirty="0" smtClean="0"/>
-              <a:t> cœur de l’application java on y trouve 4 package de classe :</a:t>
+              <a:t> cœur de l’application java on y trouve </a:t>
+            </a:r>
+            <a:r>
+              <a:rPr lang="fr-FR" baseline="0" dirty="0" smtClean="0"/>
+              <a:t>7 packages </a:t>
+            </a:r>
+            <a:r>
+              <a:rPr lang="fr-FR" baseline="0" dirty="0" smtClean="0"/>
+              <a:t>de classe :</a:t>
             </a:r>
           </a:p>
           <a:p>
@@ -1012,7 +1014,15 @@
             </a:r>
             <a:r>
               <a:rPr lang="fr-FR" baseline="0" dirty="0" smtClean="0"/>
-              <a:t> de fichier csv dans </a:t>
+              <a:t> de </a:t>
+            </a:r>
+            <a:r>
+              <a:rPr lang="fr-FR" baseline="0" dirty="0" smtClean="0"/>
+              <a:t>fichiers </a:t>
+            </a:r>
+            <a:r>
+              <a:rPr lang="fr-FR" baseline="0" dirty="0" smtClean="0"/>
+              <a:t>csv dans </a:t>
             </a:r>
             <a:r>
               <a:rPr lang="fr-FR" baseline="0" dirty="0" err="1" smtClean="0"/>
@@ -1020,22 +1030,46 @@
             </a:r>
             <a:r>
               <a:rPr lang="fr-FR" baseline="0" dirty="0" smtClean="0"/>
-              <a:t> on va récolté nos tweet</a:t>
+              <a:t> on va récolté nos </a:t>
             </a:r>
-          </a:p>
-          <a:p>
             <a:r>
               <a:rPr lang="fr-FR" baseline="0" dirty="0" smtClean="0"/>
-              <a:t>Le fichiers csv de base qui va stocker tous les tweets aujourd’hui contient environ 1000 tweet concernant divers terme comme les élection présidentiel, </a:t>
+              <a:t>tweet et trié par sujet de recherche</a:t>
+            </a:r>
+            <a:endParaRPr lang="fr-FR" baseline="0" dirty="0" smtClean="0"/>
+          </a:p>
+          <a:p>
+            <a:r>
+              <a:rPr lang="fr-FR" baseline="0" dirty="0" smtClean="0"/>
+              <a:t>Le fichiers csv de base qui va stocker tous les tweets aujourd’hui contient environ </a:t>
+            </a:r>
+            <a:r>
+              <a:rPr lang="fr-FR" baseline="0" dirty="0" smtClean="0"/>
+              <a:t>1500 tweets </a:t>
+            </a:r>
+            <a:r>
+              <a:rPr lang="fr-FR" baseline="0" dirty="0" smtClean="0"/>
+              <a:t>concernant divers terme comme </a:t>
+            </a:r>
+            <a:r>
+              <a:rPr lang="fr-FR" baseline="0" dirty="0" smtClean="0"/>
+              <a:t>le rugby, </a:t>
             </a:r>
             <a:r>
               <a:rPr lang="fr-FR" baseline="0" dirty="0" err="1" smtClean="0"/>
-              <a:t>vlille</a:t>
+              <a:t>londre</a:t>
             </a:r>
             <a:r>
               <a:rPr lang="fr-FR" baseline="0" dirty="0" smtClean="0"/>
-              <a:t> ou encore l’équipe de France de basket</a:t>
+              <a:t>, paris, les oiseaux et bien autres.</a:t>
             </a:r>
+          </a:p>
+          <a:p>
+            <a:r>
+              <a:rPr lang="fr-FR" baseline="0" dirty="0" smtClean="0"/>
+              <a:t>Un csv pour les regrouper « all.csv »</a:t>
+            </a:r>
+            <a:endParaRPr lang="fr-FR" baseline="0" dirty="0" smtClean="0"/>
           </a:p>
           <a:p>
             <a:endParaRPr lang="fr-FR" dirty="0"/>
@@ -1150,26 +1184,13 @@
             </a:r>
             <a:r>
               <a:rPr lang="fr-FR" baseline="0" dirty="0" smtClean="0"/>
-              <a:t> négatif et positif en même temps.</a:t>
-            </a:r>
-          </a:p>
-          <a:p>
-            <a:endParaRPr lang="fr-FR" baseline="0" dirty="0" smtClean="0"/>
-          </a:p>
-          <a:p>
-            <a:r>
-              <a:rPr lang="fr-FR" baseline="0" dirty="0" smtClean="0"/>
-              <a:t>Cette partie du projet a pris plus de temps de prévu à cause de cas d’exception a gérer comme le cas ou après </a:t>
-            </a:r>
-            <a:r>
-              <a:rPr lang="fr-FR" baseline="0" dirty="0" err="1" smtClean="0"/>
-              <a:t>néttoyage</a:t>
+              <a:t> négatif et positif en même temps</a:t>
             </a:r>
             <a:r>
               <a:rPr lang="fr-FR" baseline="0" dirty="0" smtClean="0"/>
-              <a:t> de tweet on se retrouver avec un tweet vide ou encore la suppression de multiple retour chariot.</a:t>
+              <a:t>.</a:t>
             </a:r>
-            <a:endParaRPr lang="fr-FR" dirty="0"/>
+            <a:endParaRPr lang="fr-FR" baseline="0" dirty="0" smtClean="0"/>
           </a:p>
         </p:txBody>
       </p:sp>
@@ -1210,6 +1231,174 @@
 </file>
 
 <file path=ppt/notesSlides/notesSlide7.xml><?xml version="1.0" encoding="utf-8"?>
+<p:notes xmlns:a="http://schemas.openxmlformats.org/drawingml/2006/main" xmlns:r="http://schemas.openxmlformats.org/officeDocument/2006/relationships" xmlns:p="http://schemas.openxmlformats.org/presentationml/2006/main">
+  <p:cSld>
+    <p:spTree>
+      <p:nvGrpSpPr>
+        <p:cNvPr id="1" name=""/>
+        <p:cNvGrpSpPr/>
+        <p:nvPr/>
+      </p:nvGrpSpPr>
+      <p:grpSpPr>
+        <a:xfrm>
+          <a:off x="0" y="0"/>
+          <a:ext cx="0" cy="0"/>
+          <a:chOff x="0" y="0"/>
+          <a:chExt cx="0" cy="0"/>
+        </a:xfrm>
+      </p:grpSpPr>
+      <p:sp>
+        <p:nvSpPr>
+          <p:cNvPr id="2" name="Espace réservé de l'image des diapositives 1"/>
+          <p:cNvSpPr>
+            <a:spLocks noGrp="1" noRot="1" noChangeAspect="1"/>
+          </p:cNvSpPr>
+          <p:nvPr>
+            <p:ph type="sldImg"/>
+          </p:nvPr>
+        </p:nvSpPr>
+        <p:spPr/>
+      </p:sp>
+      <p:sp>
+        <p:nvSpPr>
+          <p:cNvPr id="3" name="Espace réservé des commentaires 2"/>
+          <p:cNvSpPr>
+            <a:spLocks noGrp="1"/>
+          </p:cNvSpPr>
+          <p:nvPr>
+            <p:ph type="body" idx="1"/>
+          </p:nvPr>
+        </p:nvSpPr>
+        <p:spPr/>
+        <p:txBody>
+          <a:bodyPr/>
+          <a:lstStyle/>
+          <a:p>
+            <a:endParaRPr lang="fr-FR" dirty="0"/>
+          </a:p>
+        </p:txBody>
+      </p:sp>
+      <p:sp>
+        <p:nvSpPr>
+          <p:cNvPr id="4" name="Espace réservé du numéro de diapositive 3"/>
+          <p:cNvSpPr>
+            <a:spLocks noGrp="1"/>
+          </p:cNvSpPr>
+          <p:nvPr>
+            <p:ph type="sldNum" sz="quarter" idx="10"/>
+          </p:nvPr>
+        </p:nvSpPr>
+        <p:spPr/>
+        <p:txBody>
+          <a:bodyPr/>
+          <a:lstStyle/>
+          <a:p>
+            <a:fld id="{D0CF7C81-DEB7-42C0-8169-6659C4AE1B92}" type="slidenum">
+              <a:rPr lang="fr-FR" smtClean="0"/>
+              <a:t>9</a:t>
+            </a:fld>
+            <a:endParaRPr lang="fr-FR"/>
+          </a:p>
+        </p:txBody>
+      </p:sp>
+    </p:spTree>
+    <p:extLst>
+      <p:ext uri="{BB962C8B-B14F-4D97-AF65-F5344CB8AC3E}">
+        <p14:creationId xmlns:p14="http://schemas.microsoft.com/office/powerpoint/2010/main" val="836617567"/>
+      </p:ext>
+    </p:extLst>
+  </p:cSld>
+  <p:clrMapOvr>
+    <a:masterClrMapping/>
+  </p:clrMapOvr>
+</p:notes>
+</file>
+
+<file path=ppt/notesSlides/notesSlide8.xml><?xml version="1.0" encoding="utf-8"?>
+<p:notes xmlns:a="http://schemas.openxmlformats.org/drawingml/2006/main" xmlns:r="http://schemas.openxmlformats.org/officeDocument/2006/relationships" xmlns:p="http://schemas.openxmlformats.org/presentationml/2006/main">
+  <p:cSld>
+    <p:spTree>
+      <p:nvGrpSpPr>
+        <p:cNvPr id="1" name=""/>
+        <p:cNvGrpSpPr/>
+        <p:nvPr/>
+      </p:nvGrpSpPr>
+      <p:grpSpPr>
+        <a:xfrm>
+          <a:off x="0" y="0"/>
+          <a:ext cx="0" cy="0"/>
+          <a:chOff x="0" y="0"/>
+          <a:chExt cx="0" cy="0"/>
+        </a:xfrm>
+      </p:grpSpPr>
+      <p:sp>
+        <p:nvSpPr>
+          <p:cNvPr id="2" name="Espace réservé de l'image des diapositives 1"/>
+          <p:cNvSpPr>
+            <a:spLocks noGrp="1" noRot="1" noChangeAspect="1"/>
+          </p:cNvSpPr>
+          <p:nvPr>
+            <p:ph type="sldImg"/>
+          </p:nvPr>
+        </p:nvSpPr>
+        <p:spPr/>
+      </p:sp>
+      <p:sp>
+        <p:nvSpPr>
+          <p:cNvPr id="3" name="Espace réservé des commentaires 2"/>
+          <p:cNvSpPr>
+            <a:spLocks noGrp="1"/>
+          </p:cNvSpPr>
+          <p:nvPr>
+            <p:ph type="body" idx="1"/>
+          </p:nvPr>
+        </p:nvSpPr>
+        <p:spPr/>
+        <p:txBody>
+          <a:bodyPr/>
+          <a:lstStyle/>
+          <a:p>
+            <a:endParaRPr lang="fr-FR" dirty="0"/>
+          </a:p>
+        </p:txBody>
+      </p:sp>
+      <p:sp>
+        <p:nvSpPr>
+          <p:cNvPr id="4" name="Espace réservé du numéro de diapositive 3"/>
+          <p:cNvSpPr>
+            <a:spLocks noGrp="1"/>
+          </p:cNvSpPr>
+          <p:nvPr>
+            <p:ph type="sldNum" sz="quarter" idx="10"/>
+          </p:nvPr>
+        </p:nvSpPr>
+        <p:spPr/>
+        <p:txBody>
+          <a:bodyPr/>
+          <a:lstStyle/>
+          <a:p>
+            <a:fld id="{D0CF7C81-DEB7-42C0-8169-6659C4AE1B92}" type="slidenum">
+              <a:rPr lang="fr-FR" smtClean="0"/>
+              <a:t>11</a:t>
+            </a:fld>
+            <a:endParaRPr lang="fr-FR"/>
+          </a:p>
+        </p:txBody>
+      </p:sp>
+    </p:spTree>
+    <p:extLst>
+      <p:ext uri="{BB962C8B-B14F-4D97-AF65-F5344CB8AC3E}">
+        <p14:creationId xmlns:p14="http://schemas.microsoft.com/office/powerpoint/2010/main" val="3033857230"/>
+      </p:ext>
+    </p:extLst>
+  </p:cSld>
+  <p:clrMapOvr>
+    <a:masterClrMapping/>
+  </p:clrMapOvr>
+</p:notes>
+</file>
+
+<file path=ppt/notesSlides/notesSlide9.xml><?xml version="1.0" encoding="utf-8"?>
 <p:notes xmlns:a="http://schemas.openxmlformats.org/drawingml/2006/main" xmlns:r="http://schemas.openxmlformats.org/officeDocument/2006/relationships" xmlns:p="http://schemas.openxmlformats.org/presentationml/2006/main">
   <p:cSld>
     <p:spTree>
@@ -16101,6 +16290,13 @@
   <p:clrMapOvr>
     <a:masterClrMapping/>
   </p:clrMapOvr>
+  <p:timing>
+    <p:tnLst>
+      <p:par>
+        <p:cTn id="1" dur="indefinite" restart="never" nodeType="tmRoot"/>
+      </p:par>
+    </p:tnLst>
+  </p:timing>
 </p:sld>
 </file>
 
@@ -17683,15 +17879,7 @@
           <a:p>
             <a:r>
               <a:rPr lang="fr-FR" dirty="0" smtClean="0"/>
-              <a:t>Contient environ </a:t>
-            </a:r>
-            <a:r>
-              <a:rPr lang="fr-FR" dirty="0" smtClean="0"/>
-              <a:t>1500 </a:t>
-            </a:r>
-            <a:r>
-              <a:rPr lang="fr-FR" dirty="0" smtClean="0"/>
-              <a:t>tweets</a:t>
+              <a:t>Contient environ 1500 tweets</a:t>
             </a:r>
           </a:p>
           <a:p>
@@ -17922,14 +18110,22 @@
             <a:pPr lvl="1"/>
             <a:r>
               <a:rPr lang="fr-FR" dirty="0" smtClean="0"/>
-              <a:t>Estimation KNN des polarités des Tweets</a:t>
+              <a:t>Classification</a:t>
+            </a:r>
+            <a:r>
+              <a:rPr lang="fr-FR" dirty="0" smtClean="0"/>
+              <a:t> KNN</a:t>
             </a:r>
           </a:p>
           <a:p>
             <a:pPr lvl="1"/>
             <a:r>
+              <a:rPr lang="fr-FR" dirty="0"/>
+              <a:t>C</a:t>
+            </a:r>
+            <a:r>
               <a:rPr lang="fr-FR" dirty="0" smtClean="0"/>
-              <a:t>Estimation Bayésiennes des polarités</a:t>
+              <a:t>lassification Bayésienne</a:t>
             </a:r>
             <a:endParaRPr lang="fr-FR" dirty="0"/>
           </a:p>
@@ -18071,8 +18267,8 @@
               <a:t>Fiabilité </a:t>
             </a:r>
             <a:r>
-              <a:rPr lang="fr-FR" dirty="0" err="1" smtClean="0"/>
-              <a:t>limitté</a:t>
+              <a:rPr lang="fr-FR" dirty="0" smtClean="0"/>
+              <a:t>limité</a:t>
             </a:r>
             <a:endParaRPr lang="fr-FR" dirty="0" smtClean="0"/>
           </a:p>
